--- a/doc/BASDA_Usage_Example.pptx
+++ b/doc/BASDA_Usage_Example.pptx
@@ -18882,8 +18882,8 @@
         </p:nvSpPr>
         <p:spPr>
           <a:xfrm>
-            <a:off x="1619885" y="1988820"/>
-            <a:ext cx="6536055" cy="2468880"/>
+            <a:off x="1547495" y="1628775"/>
+            <a:ext cx="6536055" cy="2621280"/>
           </a:xfrm>
           <a:prstGeom prst="rect">
             <a:avLst/>
@@ -18921,14 +18921,13 @@
               <a:buAutoNum type="arabicPeriod"/>
             </a:pPr>
             <a:r>
-              <a:rPr lang="x-none" altLang="en-US"/>
-              <a:t>re-use results in Cuts_1 when changing the polarization.      </a:t>
-            </a:r>
-            <a:r>
               <a:rPr lang="x-none" altLang="en-US">
+                <a:solidFill>
+                  <a:srgbClr val="FF0000"/>
+                </a:solidFill>
                 <a:sym typeface="+mn-ea"/>
               </a:rPr>
-              <a:t>(MVA variable need to be recalculated.)</a:t>
+              <a:t>can automatically combine different polarizations</a:t>
             </a:r>
             <a:endParaRPr lang="x-none" altLang="en-US"/>
           </a:p>
@@ -18940,10 +18939,29 @@
               <a:buAutoNum type="arabicPeriod"/>
             </a:pPr>
             <a:r>
+              <a:rPr lang="x-none" altLang="en-US"/>
+              <a:t>re-use results in Pre_Cuts when changing the polarization.      </a:t>
+            </a:r>
+            <a:r>
               <a:rPr lang="x-none" altLang="en-US">
                 <a:sym typeface="+mn-ea"/>
               </a:rPr>
-              <a:t>re-use results in Cuts_2 when changing the luminosity. </a:t>
+              <a:t>(MVA variable need to be recalculated.)</a:t>
+            </a:r>
+            <a:endParaRPr lang="x-none" altLang="en-US"/>
+          </a:p>
+          <a:p>
+            <a:pPr marL="342900" indent="-342900">
+              <a:spcAft>
+                <a:spcPts val="1200"/>
+              </a:spcAft>
+              <a:buAutoNum type="arabicPeriod"/>
+            </a:pPr>
+            <a:r>
+              <a:rPr lang="x-none" altLang="en-US">
+                <a:sym typeface="+mn-ea"/>
+              </a:rPr>
+              <a:t>re-use results in Cuts when changing the luminosity. </a:t>
             </a:r>
             <a:endParaRPr lang="x-none" altLang="en-US"/>
           </a:p>
